--- a/imooc/go语言补充课程_傻大猫.pptx
+++ b/imooc/go语言补充课程_傻大猫.pptx
@@ -24,6 +24,7 @@
     <p:sldId id="298" r:id="rId17"/>
     <p:sldId id="299" r:id="rId18"/>
     <p:sldId id="300" r:id="rId19"/>
+    <p:sldId id="318" r:id="rId20"/>
   </p:sldIdLst>
   <p:sldSz cx="9144000" cy="5143500" type="screen16x9"/>
   <p:notesSz cx="6858000" cy="9144000"/>
@@ -1235,6 +1236,110 @@
 </file>
 
 <file path=ppt/notesSlides/notesSlide14.xml><?xml version="1.0" encoding="utf-8"?>
+<p:notes xmlns:a="http://schemas.openxmlformats.org/drawingml/2006/main" xmlns:r="http://schemas.openxmlformats.org/officeDocument/2006/relationships" xmlns:p="http://schemas.openxmlformats.org/presentationml/2006/main">
+  <p:cSld>
+    <p:spTree>
+      <p:nvGrpSpPr>
+        <p:cNvPr id="1" name=""/>
+        <p:cNvGrpSpPr/>
+        <p:nvPr/>
+      </p:nvGrpSpPr>
+      <p:grpSpPr>
+        <a:xfrm>
+          <a:off x="0" y="0"/>
+          <a:ext cx="0" cy="0"/>
+          <a:chOff x="0" y="0"/>
+          <a:chExt cx="0" cy="0"/>
+        </a:xfrm>
+      </p:grpSpPr>
+      <p:sp>
+        <p:nvSpPr>
+          <p:cNvPr id="2" name="文本框"/>
+          <p:cNvSpPr>
+            <a:spLocks noGrp="1" noRot="1" noChangeAspect="1"/>
+          </p:cNvSpPr>
+          <p:nvPr>
+            <p:ph type="sldImg"/>
+          </p:nvPr>
+        </p:nvSpPr>
+        <p:spPr/>
+      </p:sp>
+      <p:sp>
+        <p:nvSpPr>
+          <p:cNvPr id="3" name="文本框"/>
+          <p:cNvSpPr>
+            <a:spLocks noGrp="1"/>
+          </p:cNvSpPr>
+          <p:nvPr>
+            <p:ph type="body" idx="1"/>
+          </p:nvPr>
+        </p:nvSpPr>
+        <p:spPr/>
+        <p:txBody>
+          <a:bodyPr/>
+          <a:lstStyle/>
+          <a:p>
+            <a:endParaRPr lang="zh-CN" altLang="en-US"/>
+          </a:p>
+        </p:txBody>
+      </p:sp>
+      <p:sp>
+        <p:nvSpPr>
+          <p:cNvPr id="9" name="文本框"/>
+          <p:cNvSpPr>
+            <a:spLocks noGrp="1"/>
+          </p:cNvSpPr>
+          <p:nvPr>
+            <p:ph type="sldNum" idx="5"/>
+          </p:nvPr>
+        </p:nvSpPr>
+        <p:spPr>
+          <a:xfrm>
+            <a:off x="3884613" y="8685213"/>
+            <a:ext cx="2971800" cy="457200"/>
+          </a:xfrm>
+          <a:prstGeom prst="rect">
+            <a:avLst/>
+          </a:prstGeom>
+          <a:noFill/>
+          <a:ln w="9525" cap="flat" cmpd="sng">
+            <a:noFill/>
+            <a:prstDash val="solid"/>
+            <a:round/>
+          </a:ln>
+        </p:spPr>
+        <p:txBody>
+          <a:bodyPr vert="horz" wrap="square" lIns="91440" tIns="45720" rIns="91440" bIns="45720" anchor="b" anchorCtr="0"/>
+          <a:lstStyle/>
+          <a:p>
+            <a:pPr algn="r"/>
+            <a:fld id="{CAD2D6BD-DE1B-4B5F-8B41-2702339687B9}" type="slidenum">
+              <a:rPr lang="en-US" altLang="zh-CN" sz="1800" u="none" strike="noStrike" kern="1200" cap="none" spc="0" baseline="0">
+                <a:solidFill>
+                  <a:schemeClr val="tx1"/>
+                </a:solidFill>
+                <a:latin typeface="Calibri" panose="020F0502020204030204" pitchFamily="34" charset="0"/>
+                <a:ea typeface="宋体" panose="02010600030101010101" pitchFamily="2" charset="-122"/>
+                <a:cs typeface="Calibri" panose="020F0502020204030204" pitchFamily="34" charset="0"/>
+              </a:rPr>
+            </a:fld>
+            <a:endParaRPr lang="zh-CN" altLang="en-US" sz="1200">
+              <a:latin typeface="Calibri" panose="020F0502020204030204" pitchFamily="34" charset="0"/>
+              <a:ea typeface="宋体" panose="02010600030101010101" pitchFamily="2" charset="-122"/>
+              <a:cs typeface="Calibri" panose="020F0502020204030204" pitchFamily="34" charset="0"/>
+            </a:endParaRPr>
+          </a:p>
+        </p:txBody>
+      </p:sp>
+    </p:spTree>
+  </p:cSld>
+  <p:clrMapOvr>
+    <a:masterClrMapping/>
+  </p:clrMapOvr>
+</p:notes>
+</file>
+
+<file path=ppt/notesSlides/notesSlide15.xml><?xml version="1.0" encoding="utf-8"?>
 <p:notes xmlns:a="http://schemas.openxmlformats.org/drawingml/2006/main" xmlns:r="http://schemas.openxmlformats.org/officeDocument/2006/relationships" xmlns:p="http://schemas.openxmlformats.org/presentationml/2006/main">
   <p:cSld>
     <p:spTree>
@@ -10947,7 +11052,7 @@
 </p:sld>
 </file>
 
-<file path=ppt/slides/slide2.xml><?xml version="1.0" encoding="utf-8"?>
+<file path=ppt/slides/slide16.xml><?xml version="1.0" encoding="utf-8"?>
 <p:sld xmlns:a="http://schemas.openxmlformats.org/drawingml/2006/main" xmlns:r="http://schemas.openxmlformats.org/officeDocument/2006/relationships" xmlns:p="http://schemas.openxmlformats.org/presentationml/2006/main">
   <p:cSld>
     <p:bg>
@@ -11014,7 +11119,7 @@
               <a:buNone/>
             </a:pPr>
             <a:r>
-              <a:rPr lang="en-US" altLang="zh-CN" sz="2200" u="none" strike="noStrike" kern="0" cap="none" spc="0" baseline="0" dirty="0">
+              <a:rPr sz="2200" u="none" strike="noStrike" kern="0" cap="none" spc="0" baseline="0" dirty="0">
                 <a:solidFill>
                   <a:srgbClr val="212121"/>
                 </a:solidFill>
@@ -11022,31 +11127,9 @@
                 <a:ea typeface="微软雅黑" panose="020B0503020204020204" charset="-122"/>
                 <a:cs typeface="Times New Roman" panose="02020603050405020304" charset="0"/>
               </a:rPr>
-              <a:t> </a:t>
-            </a:r>
-            <a:r>
-              <a:rPr lang="zh-CN" altLang="en-US" sz="2200" u="none" strike="noStrike" kern="0" cap="none" spc="0" baseline="0" dirty="0">
-                <a:solidFill>
-                  <a:srgbClr val="212121"/>
-                </a:solidFill>
-                <a:latin typeface="微软雅黑" panose="020B0503020204020204" charset="-122"/>
-                <a:ea typeface="微软雅黑" panose="020B0503020204020204" charset="-122"/>
-                <a:cs typeface="Times New Roman" panose="02020603050405020304" charset="0"/>
-              </a:rPr>
-              <a:t>前提知识</a:t>
-            </a:r>
-            <a:r>
-              <a:rPr lang="en-US" altLang="zh-CN" sz="2200" u="none" strike="noStrike" kern="0" cap="none" spc="0" baseline="0" dirty="0">
-                <a:solidFill>
-                  <a:srgbClr val="212121"/>
-                </a:solidFill>
-                <a:latin typeface="微软雅黑" panose="020B0503020204020204" charset="-122"/>
-                <a:ea typeface="微软雅黑" panose="020B0503020204020204" charset="-122"/>
-                <a:cs typeface="Times New Roman" panose="02020603050405020304" charset="0"/>
-              </a:rPr>
-              <a:t>	</a:t>
-            </a:r>
-            <a:endParaRPr lang="zh-CN" altLang="en-US" sz="2200" u="none" strike="noStrike" kern="0" cap="none" spc="0" baseline="0" dirty="0">
+              <a:t>总结</a:t>
+            </a:r>
+            <a:endParaRPr sz="2200" u="none" strike="noStrike" kern="0" cap="none" spc="0" baseline="0" dirty="0">
               <a:solidFill>
                 <a:srgbClr val="212121"/>
               </a:solidFill>
@@ -11089,7 +11172,7 @@
               <a:buChar char="u"/>
             </a:pPr>
             <a:r>
-              <a:rPr lang="en-US" altLang="zh-CN" sz="2000" u="none" strike="noStrike" kern="1200" cap="none" spc="0" baseline="0" dirty="0">
+              <a:rPr lang="zh-CN" sz="2000" u="none" strike="noStrike" kern="1200" cap="none" spc="0" baseline="0" dirty="0">
                 <a:solidFill>
                   <a:srgbClr val="474747"/>
                 </a:solidFill>
@@ -11097,112 +11180,15 @@
                 <a:ea typeface="微软雅黑" panose="020B0503020204020204" charset="-122"/>
                 <a:cs typeface="微软雅黑" panose="020B0503020204020204" charset="-122"/>
               </a:rPr>
-              <a:t>go</a:t>
-            </a:r>
-            <a:r>
-              <a:rPr lang="zh-CN" altLang="en-US" sz="2000" u="none" strike="noStrike" kern="1200" cap="none" spc="0" baseline="0" dirty="0">
-                <a:solidFill>
-                  <a:srgbClr val="474747"/>
-                </a:solidFill>
-                <a:latin typeface="微软雅黑" panose="020B0503020204020204" charset="-122"/>
-                <a:ea typeface="微软雅黑" panose="020B0503020204020204" charset="-122"/>
-                <a:cs typeface="微软雅黑" panose="020B0503020204020204" charset="-122"/>
-              </a:rPr>
-              <a:t>语言基础语法和</a:t>
-            </a:r>
-            <a:r>
-              <a:rPr lang="en-US" altLang="zh-CN" sz="2000" u="none" strike="noStrike" kern="1200" cap="none" spc="0" baseline="0" dirty="0">
-                <a:solidFill>
-                  <a:srgbClr val="474747"/>
-                </a:solidFill>
-                <a:latin typeface="微软雅黑" panose="020B0503020204020204" charset="-122"/>
-                <a:ea typeface="微软雅黑" panose="020B0503020204020204" charset="-122"/>
-                <a:cs typeface="微软雅黑" panose="020B0503020204020204" charset="-122"/>
-              </a:rPr>
-              <a:t>go</a:t>
-            </a:r>
-            <a:r>
-              <a:rPr lang="zh-CN" altLang="en-US" sz="2000" u="none" strike="noStrike" kern="1200" cap="none" spc="0" baseline="0" dirty="0">
-                <a:solidFill>
-                  <a:srgbClr val="474747"/>
-                </a:solidFill>
-                <a:latin typeface="微软雅黑" panose="020B0503020204020204" charset="-122"/>
-                <a:ea typeface="微软雅黑" panose="020B0503020204020204" charset="-122"/>
-                <a:cs typeface="微软雅黑" panose="020B0503020204020204" charset="-122"/>
-              </a:rPr>
-              <a:t>语言环境及工具</a:t>
-            </a:r>
-            <a:endParaRPr lang="zh-CN" altLang="en-US" sz="2000" u="none" strike="noStrike" kern="1200" cap="none" spc="0" baseline="0" dirty="0">
+              <a:t>开发效率非常高，风格统一，功能全面的网络编程语言</a:t>
+            </a:r>
+            <a:endParaRPr lang="zh-CN" sz="2000" u="none" strike="noStrike" kern="1200" cap="none" spc="0" baseline="0" dirty="0">
               <a:solidFill>
                 <a:srgbClr val="474747"/>
               </a:solidFill>
               <a:latin typeface="微软雅黑" panose="020B0503020204020204" charset="-122"/>
               <a:ea typeface="微软雅黑" panose="020B0503020204020204" charset="-122"/>
               <a:cs typeface="微软雅黑" panose="020B0503020204020204" charset="-122"/>
-            </a:endParaRPr>
-          </a:p>
-        </p:txBody>
-      </p:sp>
-      <p:sp>
-        <p:nvSpPr>
-          <p:cNvPr id="16" name="矩形"/>
-          <p:cNvSpPr/>
-          <p:nvPr/>
-        </p:nvSpPr>
-        <p:spPr>
-          <a:xfrm>
-            <a:off x="560239" y="2928541"/>
-            <a:ext cx="8565279" cy="398780"/>
-          </a:xfrm>
-          <a:prstGeom prst="rect">
-            <a:avLst/>
-          </a:prstGeom>
-          <a:noFill/>
-          <a:ln w="9525" cap="flat" cmpd="sng">
-            <a:noFill/>
-            <a:prstDash val="solid"/>
-            <a:miter/>
-          </a:ln>
-        </p:spPr>
-        <p:txBody>
-          <a:bodyPr vert="horz" wrap="square" lIns="91440" tIns="45720" rIns="91440" bIns="45720" anchor="ctr" anchorCtr="0">
-            <a:spAutoFit/>
-          </a:bodyPr>
-          <a:lstStyle/>
-          <a:p>
-            <a:pPr marL="800100" lvl="1" indent="-342900" algn="l">
-              <a:lnSpc>
-                <a:spcPct val="100000"/>
-              </a:lnSpc>
-              <a:spcBef>
-                <a:spcPts val="0"/>
-              </a:spcBef>
-              <a:spcAft>
-                <a:spcPts val="0"/>
-              </a:spcAft>
-              <a:buFont typeface="Wingdings" panose="05000000000000000000" pitchFamily="2" charset="2"/>
-              <a:buChar char="u"/>
-            </a:pPr>
-            <a:r>
-              <a:rPr lang="zh-CN" altLang="en-US" sz="2000" u="none" strike="noStrike" kern="1200" cap="none" spc="0" baseline="0" dirty="0">
-                <a:solidFill>
-                  <a:srgbClr val="474747"/>
-                </a:solidFill>
-                <a:latin typeface="微软雅黑" panose="020B0503020204020204" charset="-122"/>
-                <a:ea typeface="微软雅黑" panose="020B0503020204020204" charset="-122"/>
-                <a:cs typeface="微软雅黑" panose="020B0503020204020204" charset="-122"/>
-                <a:sym typeface="Calibri" panose="020F0502020204030204" pitchFamily="34" charset="0"/>
-              </a:rPr>
-              <a:t>加分项：操作系统原理基础，软件工程实践</a:t>
-            </a:r>
-            <a:endParaRPr lang="zh-CN" altLang="en-US" sz="2000" u="none" strike="noStrike" kern="1200" cap="none" spc="0" baseline="0" dirty="0">
-              <a:solidFill>
-                <a:srgbClr val="474747"/>
-              </a:solidFill>
-              <a:latin typeface="微软雅黑" panose="020B0503020204020204" charset="-122"/>
-              <a:ea typeface="微软雅黑" panose="020B0503020204020204" charset="-122"/>
-              <a:cs typeface="微软雅黑" panose="020B0503020204020204" charset="-122"/>
-              <a:sym typeface="Calibri" panose="020F0502020204030204" pitchFamily="34" charset="0"/>
             </a:endParaRPr>
           </a:p>
         </p:txBody>
@@ -11249,6 +11235,91 @@
             <a:endParaRPr lang="zh-CN" altLang="en-US" sz="3000" b="1" u="none" strike="noStrike" kern="0" cap="none" spc="0" baseline="0" dirty="0" err="1">
               <a:solidFill>
                 <a:srgbClr val="C9394A"/>
+              </a:solidFill>
+              <a:latin typeface="微软雅黑" panose="020B0503020204020204" charset="-122"/>
+              <a:ea typeface="微软雅黑" panose="020B0503020204020204" charset="-122"/>
+              <a:cs typeface="微软雅黑" panose="020B0503020204020204" charset="-122"/>
+            </a:endParaRPr>
+          </a:p>
+        </p:txBody>
+      </p:sp>
+      <p:sp>
+        <p:nvSpPr>
+          <p:cNvPr id="2" name="矩形"/>
+          <p:cNvSpPr/>
+          <p:nvPr/>
+        </p:nvSpPr>
+        <p:spPr>
+          <a:xfrm>
+            <a:off x="523041" y="2985170"/>
+            <a:ext cx="8565279" cy="398780"/>
+          </a:xfrm>
+          <a:prstGeom prst="rect">
+            <a:avLst/>
+          </a:prstGeom>
+          <a:noFill/>
+          <a:ln w="9525" cap="flat" cmpd="sng">
+            <a:noFill/>
+            <a:prstDash val="solid"/>
+            <a:miter/>
+          </a:ln>
+        </p:spPr>
+        <p:txBody>
+          <a:bodyPr vert="horz" wrap="square" lIns="91440" tIns="45720" rIns="91440" bIns="45720" anchor="ctr" anchorCtr="0">
+            <a:spAutoFit/>
+          </a:bodyPr>
+          <a:p>
+            <a:pPr marL="800100" lvl="1" indent="-342900">
+              <a:buFont typeface="Wingdings" panose="05000000000000000000" pitchFamily="2" charset="2"/>
+              <a:buChar char="u"/>
+            </a:pPr>
+            <a:r>
+              <a:rPr lang="zh-CN" sz="2000" u="none" strike="noStrike" kern="1200" cap="none" spc="0" baseline="0" dirty="0">
+                <a:solidFill>
+                  <a:srgbClr val="474747"/>
+                </a:solidFill>
+                <a:latin typeface="微软雅黑" panose="020B0503020204020204" charset="-122"/>
+                <a:ea typeface="微软雅黑" panose="020B0503020204020204" charset="-122"/>
+                <a:cs typeface="微软雅黑" panose="020B0503020204020204" charset="-122"/>
+              </a:rPr>
+              <a:t>简化编程复杂度（组合的思想</a:t>
+            </a:r>
+            <a:r>
+              <a:rPr lang="en-US" altLang="zh-CN" sz="2000" u="none" strike="noStrike" kern="1200" cap="none" spc="0" baseline="0" dirty="0">
+                <a:solidFill>
+                  <a:srgbClr val="474747"/>
+                </a:solidFill>
+                <a:latin typeface="微软雅黑" panose="020B0503020204020204" charset="-122"/>
+                <a:ea typeface="微软雅黑" panose="020B0503020204020204" charset="-122"/>
+                <a:cs typeface="微软雅黑" panose="020B0503020204020204" charset="-122"/>
+              </a:rPr>
+              <a:t>/</a:t>
+            </a:r>
+            <a:r>
+              <a:rPr lang="zh-CN" altLang="en-US" sz="2000" u="none" strike="noStrike" kern="1200" cap="none" spc="0" baseline="0" dirty="0">
+                <a:solidFill>
+                  <a:srgbClr val="474747"/>
+                </a:solidFill>
+                <a:latin typeface="微软雅黑" panose="020B0503020204020204" charset="-122"/>
+                <a:ea typeface="微软雅黑" panose="020B0503020204020204" charset="-122"/>
+                <a:cs typeface="微软雅黑" panose="020B0503020204020204" charset="-122"/>
+              </a:rPr>
+              <a:t>类似函数式编程的优点</a:t>
+            </a:r>
+            <a:r>
+              <a:rPr lang="zh-CN" sz="2000" u="none" strike="noStrike" kern="1200" cap="none" spc="0" baseline="0" dirty="0">
+                <a:solidFill>
+                  <a:srgbClr val="474747"/>
+                </a:solidFill>
+                <a:latin typeface="微软雅黑" panose="020B0503020204020204" charset="-122"/>
+                <a:ea typeface="微软雅黑" panose="020B0503020204020204" charset="-122"/>
+                <a:cs typeface="微软雅黑" panose="020B0503020204020204" charset="-122"/>
+              </a:rPr>
+              <a:t>）</a:t>
+            </a:r>
+            <a:endParaRPr lang="zh-CN" sz="2000" u="none" strike="noStrike" kern="1200" cap="none" spc="0" baseline="0" dirty="0">
+              <a:solidFill>
+                <a:srgbClr val="474747"/>
               </a:solidFill>
               <a:latin typeface="微软雅黑" panose="020B0503020204020204" charset="-122"/>
               <a:ea typeface="微软雅黑" panose="020B0503020204020204" charset="-122"/>
@@ -11490,7 +11561,7 @@
                                           </p:stCondLst>
                                         </p:cTn>
                                         <p:tgtEl>
-                                          <p:spTgt spid="16"/>
+                                          <p:spTgt spid="2"/>
                                         </p:tgtEl>
                                         <p:attrNameLst>
                                           <p:attrName>style.visibility</p:attrName>
@@ -11504,7 +11575,7 @@
                                       <p:cBhvr additive="base">
                                         <p:cTn id="19" dur="500" fill="hold"/>
                                         <p:tgtEl>
-                                          <p:spTgt spid="16"/>
+                                          <p:spTgt spid="2"/>
                                         </p:tgtEl>
                                         <p:attrNameLst>
                                           <p:attrName>ppt_x</p:attrName>
@@ -11527,7 +11598,7 @@
                                       <p:cBhvr additive="base">
                                         <p:cTn id="20" dur="500" fill="hold"/>
                                         <p:tgtEl>
-                                          <p:spTgt spid="16"/>
+                                          <p:spTgt spid="2"/>
                                         </p:tgtEl>
                                         <p:attrNameLst>
                                           <p:attrName>ppt_y</p:attrName>
@@ -11578,13 +11649,13 @@
     </p:tnLst>
     <p:bldLst>
       <p:bldP spid="15" grpId="0"/>
-      <p:bldP spid="16" grpId="0"/>
+      <p:bldP spid="2" grpId="0"/>
     </p:bldLst>
   </p:timing>
 </p:sld>
 </file>
 
-<file path=ppt/slides/slide3.xml><?xml version="1.0" encoding="utf-8"?>
+<file path=ppt/slides/slide2.xml><?xml version="1.0" encoding="utf-8"?>
 <p:sld xmlns:a="http://schemas.openxmlformats.org/drawingml/2006/main" xmlns:r="http://schemas.openxmlformats.org/officeDocument/2006/relationships" xmlns:p="http://schemas.openxmlformats.org/presentationml/2006/main">
   <p:cSld>
     <p:bg>
@@ -11670,7 +11741,7 @@
                 <a:ea typeface="微软雅黑" panose="020B0503020204020204" charset="-122"/>
                 <a:cs typeface="Times New Roman" panose="02020603050405020304" charset="0"/>
               </a:rPr>
-              <a:t>为什么学go语言</a:t>
+              <a:t>前提知识</a:t>
             </a:r>
             <a:r>
               <a:rPr lang="en-US" altLang="zh-CN" sz="2200" u="none" strike="noStrike" kern="0" cap="none" spc="0" baseline="0" dirty="0">
@@ -11681,7 +11752,7 @@
                 <a:ea typeface="微软雅黑" panose="020B0503020204020204" charset="-122"/>
                 <a:cs typeface="Times New Roman" panose="02020603050405020304" charset="0"/>
               </a:rPr>
-              <a:t>?	</a:t>
+              <a:t>	</a:t>
             </a:r>
             <a:endParaRPr lang="zh-CN" altLang="en-US" sz="2200" u="none" strike="noStrike" kern="0" cap="none" spc="0" baseline="0" dirty="0">
               <a:solidFill>
@@ -11726,7 +11797,7 @@
               <a:buChar char="u"/>
             </a:pPr>
             <a:r>
-              <a:rPr lang="zh-CN" sz="2000" u="none" strike="noStrike" kern="1200" cap="none" spc="0" baseline="0" dirty="0">
+              <a:rPr lang="en-US" altLang="zh-CN" sz="2000" u="none" strike="noStrike" kern="1200" cap="none" spc="0" baseline="0" dirty="0">
                 <a:solidFill>
                   <a:srgbClr val="474747"/>
                 </a:solidFill>
@@ -11734,10 +11805,10 @@
                 <a:ea typeface="微软雅黑" panose="020B0503020204020204" charset="-122"/>
                 <a:cs typeface="微软雅黑" panose="020B0503020204020204" charset="-122"/>
               </a:rPr>
-              <a:t>市场</a:t>
-            </a:r>
-            <a:r>
-              <a:rPr sz="2000" u="none" strike="noStrike" kern="1200" cap="none" spc="0" baseline="0" dirty="0">
+              <a:t>go</a:t>
+            </a:r>
+            <a:r>
+              <a:rPr lang="zh-CN" altLang="en-US" sz="2000" u="none" strike="noStrike" kern="1200" cap="none" spc="0" baseline="0" dirty="0">
                 <a:solidFill>
                   <a:srgbClr val="474747"/>
                 </a:solidFill>
@@ -11745,9 +11816,31 @@
                 <a:ea typeface="微软雅黑" panose="020B0503020204020204" charset="-122"/>
                 <a:cs typeface="微软雅黑" panose="020B0503020204020204" charset="-122"/>
               </a:rPr>
-              <a:t>技术选型</a:t>
-            </a:r>
-            <a:endParaRPr sz="2000" u="none" strike="noStrike" kern="1200" cap="none" spc="0" baseline="0" dirty="0">
+              <a:t>语言基础语法和</a:t>
+            </a:r>
+            <a:r>
+              <a:rPr lang="en-US" altLang="zh-CN" sz="2000" u="none" strike="noStrike" kern="1200" cap="none" spc="0" baseline="0" dirty="0">
+                <a:solidFill>
+                  <a:srgbClr val="474747"/>
+                </a:solidFill>
+                <a:latin typeface="微软雅黑" panose="020B0503020204020204" charset="-122"/>
+                <a:ea typeface="微软雅黑" panose="020B0503020204020204" charset="-122"/>
+                <a:cs typeface="微软雅黑" panose="020B0503020204020204" charset="-122"/>
+              </a:rPr>
+              <a:t>go</a:t>
+            </a:r>
+            <a:r>
+              <a:rPr lang="zh-CN" altLang="en-US" sz="2000" u="none" strike="noStrike" kern="1200" cap="none" spc="0" baseline="0" dirty="0">
+                <a:solidFill>
+                  <a:srgbClr val="474747"/>
+                </a:solidFill>
+                <a:latin typeface="微软雅黑" panose="020B0503020204020204" charset="-122"/>
+                <a:ea typeface="微软雅黑" panose="020B0503020204020204" charset="-122"/>
+                <a:cs typeface="微软雅黑" panose="020B0503020204020204" charset="-122"/>
+              </a:rPr>
+              <a:t>语言环境及工具</a:t>
+            </a:r>
+            <a:endParaRPr lang="zh-CN" altLang="en-US" sz="2000" u="none" strike="noStrike" kern="1200" cap="none" spc="0" baseline="0" dirty="0">
               <a:solidFill>
                 <a:srgbClr val="474747"/>
               </a:solidFill>
@@ -11808,7 +11901,7 @@
                 <a:cs typeface="微软雅黑" panose="020B0503020204020204" charset="-122"/>
                 <a:sym typeface="Calibri" panose="020F0502020204030204" pitchFamily="34" charset="0"/>
               </a:rPr>
-              <a:t>技术选型的依据</a:t>
+              <a:t>加分项：操作系统原理基础，软件工程实践</a:t>
             </a:r>
             <a:endParaRPr lang="zh-CN" altLang="en-US" sz="2000" u="none" strike="noStrike" kern="1200" cap="none" spc="0" baseline="0" dirty="0">
               <a:solidFill>
@@ -12199,7 +12292,7 @@
 </p:sld>
 </file>
 
-<file path=ppt/slides/slide4.xml><?xml version="1.0" encoding="utf-8"?>
+<file path=ppt/slides/slide3.xml><?xml version="1.0" encoding="utf-8"?>
 <p:sld xmlns:a="http://schemas.openxmlformats.org/drawingml/2006/main" xmlns:r="http://schemas.openxmlformats.org/officeDocument/2006/relationships" xmlns:p="http://schemas.openxmlformats.org/presentationml/2006/main">
   <p:cSld>
     <p:bg>
@@ -12277,7 +12370,7 @@
               <a:t> </a:t>
             </a:r>
             <a:r>
-              <a:rPr sz="2200" u="none" strike="noStrike" kern="0" cap="none" spc="0" baseline="0" dirty="0">
+              <a:rPr lang="zh-CN" altLang="en-US" sz="2200" u="none" strike="noStrike" kern="0" cap="none" spc="0" baseline="0" dirty="0">
                 <a:solidFill>
                   <a:srgbClr val="212121"/>
                 </a:solidFill>
@@ -12285,7 +12378,7 @@
                 <a:ea typeface="微软雅黑" panose="020B0503020204020204" charset="-122"/>
                 <a:cs typeface="Times New Roman" panose="02020603050405020304" charset="0"/>
               </a:rPr>
-              <a:t>编程语言的发展历史</a:t>
+              <a:t>为什么学go语言</a:t>
             </a:r>
             <a:r>
               <a:rPr lang="en-US" altLang="zh-CN" sz="2200" u="none" strike="noStrike" kern="0" cap="none" spc="0" baseline="0" dirty="0">
@@ -12296,7 +12389,7 @@
                 <a:ea typeface="微软雅黑" panose="020B0503020204020204" charset="-122"/>
                 <a:cs typeface="Times New Roman" panose="02020603050405020304" charset="0"/>
               </a:rPr>
-              <a:t>	</a:t>
+              <a:t>?	</a:t>
             </a:r>
             <a:endParaRPr lang="zh-CN" altLang="en-US" sz="2200" u="none" strike="noStrike" kern="0" cap="none" spc="0" baseline="0" dirty="0">
               <a:solidFill>
@@ -12349,7 +12442,7 @@
                 <a:ea typeface="微软雅黑" panose="020B0503020204020204" charset="-122"/>
                 <a:cs typeface="微软雅黑" panose="020B0503020204020204" charset="-122"/>
               </a:rPr>
-              <a:t>编程</a:t>
+              <a:t>市场</a:t>
             </a:r>
             <a:r>
               <a:rPr sz="2000" u="none" strike="noStrike" kern="1200" cap="none" spc="0" baseline="0" dirty="0">
@@ -12360,20 +12453,9 @@
                 <a:ea typeface="微软雅黑" panose="020B0503020204020204" charset="-122"/>
                 <a:cs typeface="微软雅黑" panose="020B0503020204020204" charset="-122"/>
               </a:rPr>
-              <a:t>历史</a:t>
-            </a:r>
-            <a:r>
-              <a:rPr lang="zh-CN" sz="2000" u="none" strike="noStrike" kern="1200" cap="none" spc="0" baseline="0" dirty="0">
-                <a:solidFill>
-                  <a:srgbClr val="474747"/>
-                </a:solidFill>
-                <a:latin typeface="微软雅黑" panose="020B0503020204020204" charset="-122"/>
-                <a:ea typeface="微软雅黑" panose="020B0503020204020204" charset="-122"/>
-                <a:cs typeface="微软雅黑" panose="020B0503020204020204" charset="-122"/>
-              </a:rPr>
-              <a:t>回顾</a:t>
-            </a:r>
-            <a:endParaRPr lang="zh-CN" sz="2000" u="none" strike="noStrike" kern="1200" cap="none" spc="0" baseline="0" dirty="0">
+              <a:t>技术选型</a:t>
+            </a:r>
+            <a:endParaRPr sz="2000" u="none" strike="noStrike" kern="1200" cap="none" spc="0" baseline="0" dirty="0">
               <a:solidFill>
                 <a:srgbClr val="474747"/>
               </a:solidFill>
@@ -12425,16 +12507,16 @@
               <a:buChar char="u"/>
             </a:pPr>
             <a:r>
-              <a:rPr sz="2000" dirty="0">
+              <a:rPr lang="zh-CN" altLang="en-US" sz="2000" u="none" strike="noStrike" kern="1200" cap="none" spc="0" baseline="0" dirty="0">
                 <a:solidFill>
                   <a:srgbClr val="474747"/>
                 </a:solidFill>
                 <a:latin typeface="微软雅黑" panose="020B0503020204020204" charset="-122"/>
                 <a:ea typeface="微软雅黑" panose="020B0503020204020204" charset="-122"/>
                 <a:cs typeface="微软雅黑" panose="020B0503020204020204" charset="-122"/>
-                <a:sym typeface="+mn-ea"/>
+                <a:sym typeface="Calibri" panose="020F0502020204030204" pitchFamily="34" charset="0"/>
               </a:rPr>
-              <a:t>从历史看未来</a:t>
+              <a:t>技术选型的依据</a:t>
             </a:r>
             <a:endParaRPr lang="zh-CN" altLang="en-US" sz="2000" u="none" strike="noStrike" kern="1200" cap="none" spc="0" baseline="0" dirty="0">
               <a:solidFill>
@@ -12825,7 +12907,7 @@
 </p:sld>
 </file>
 
-<file path=ppt/slides/slide5.xml><?xml version="1.0" encoding="utf-8"?>
+<file path=ppt/slides/slide4.xml><?xml version="1.0" encoding="utf-8"?>
 <p:sld xmlns:a="http://schemas.openxmlformats.org/drawingml/2006/main" xmlns:r="http://schemas.openxmlformats.org/officeDocument/2006/relationships" xmlns:p="http://schemas.openxmlformats.org/presentationml/2006/main">
   <p:cSld>
     <p:bg>
@@ -12911,9 +12993,20 @@
                 <a:ea typeface="微软雅黑" panose="020B0503020204020204" charset="-122"/>
                 <a:cs typeface="Times New Roman" panose="02020603050405020304" charset="0"/>
               </a:rPr>
-              <a:t>特色语法-类型声明</a:t>
-            </a:r>
-            <a:endParaRPr sz="2200" u="none" strike="noStrike" kern="0" cap="none" spc="0" baseline="0" dirty="0">
+              <a:t>编程语言的发展历史</a:t>
+            </a:r>
+            <a:r>
+              <a:rPr lang="en-US" altLang="zh-CN" sz="2200" u="none" strike="noStrike" kern="0" cap="none" spc="0" baseline="0" dirty="0">
+                <a:solidFill>
+                  <a:srgbClr val="212121"/>
+                </a:solidFill>
+                <a:latin typeface="微软雅黑" panose="020B0503020204020204" charset="-122"/>
+                <a:ea typeface="微软雅黑" panose="020B0503020204020204" charset="-122"/>
+                <a:cs typeface="Times New Roman" panose="02020603050405020304" charset="0"/>
+              </a:rPr>
+              <a:t>	</a:t>
+            </a:r>
+            <a:endParaRPr lang="zh-CN" altLang="en-US" sz="2200" u="none" strike="noStrike" kern="0" cap="none" spc="0" baseline="0" dirty="0">
               <a:solidFill>
                 <a:srgbClr val="212121"/>
               </a:solidFill>
@@ -12932,8 +13025,8 @@
         </p:nvSpPr>
         <p:spPr>
           <a:xfrm>
-            <a:off x="539551" y="2058387"/>
-            <a:ext cx="8565279" cy="706755"/>
+            <a:off x="539551" y="2212375"/>
+            <a:ext cx="8565279" cy="398780"/>
           </a:xfrm>
           <a:prstGeom prst="rect">
             <a:avLst/>
@@ -12964,23 +13057,10 @@
                 <a:ea typeface="微软雅黑" panose="020B0503020204020204" charset="-122"/>
                 <a:cs typeface="微软雅黑" panose="020B0503020204020204" charset="-122"/>
               </a:rPr>
-              <a:t>类型声明放在后面</a:t>
-            </a:r>
-            <a:endParaRPr lang="zh-CN" sz="2000" u="none" strike="noStrike" kern="1200" cap="none" spc="0" baseline="0" dirty="0">
-              <a:solidFill>
-                <a:srgbClr val="474747"/>
-              </a:solidFill>
-              <a:latin typeface="微软雅黑" panose="020B0503020204020204" charset="-122"/>
-              <a:ea typeface="微软雅黑" panose="020B0503020204020204" charset="-122"/>
-              <a:cs typeface="微软雅黑" panose="020B0503020204020204" charset="-122"/>
-            </a:endParaRPr>
-          </a:p>
-          <a:p>
-            <a:pPr lvl="1">
-              <a:buFont typeface="Wingdings" panose="05000000000000000000" pitchFamily="2" charset="2"/>
-            </a:pPr>
-            <a:r>
-              <a:rPr lang="en-US" altLang="zh-CN" sz="2000" u="none" strike="noStrike" kern="1200" cap="none" spc="0" baseline="0" dirty="0">
+              <a:t>编程</a:t>
+            </a:r>
+            <a:r>
+              <a:rPr sz="2000" u="none" strike="noStrike" kern="1200" cap="none" spc="0" baseline="0" dirty="0">
                 <a:solidFill>
                   <a:srgbClr val="474747"/>
                 </a:solidFill>
@@ -12988,10 +13068,10 @@
                 <a:ea typeface="微软雅黑" panose="020B0503020204020204" charset="-122"/>
                 <a:cs typeface="微软雅黑" panose="020B0503020204020204" charset="-122"/>
               </a:rPr>
-              <a:t>	</a:t>
-            </a:r>
-            <a:r>
-              <a:rPr lang="zh-CN" altLang="en-US" sz="2000" u="none" strike="noStrike" kern="1200" cap="none" spc="0" baseline="0" dirty="0">
+              <a:t>历史</a:t>
+            </a:r>
+            <a:r>
+              <a:rPr lang="zh-CN" sz="2000" u="none" strike="noStrike" kern="1200" cap="none" spc="0" baseline="0" dirty="0">
                 <a:solidFill>
                   <a:srgbClr val="474747"/>
                 </a:solidFill>
@@ -12999,20 +13079,9 @@
                 <a:ea typeface="微软雅黑" panose="020B0503020204020204" charset="-122"/>
                 <a:cs typeface="微软雅黑" panose="020B0503020204020204" charset="-122"/>
               </a:rPr>
-              <a:t>例</a:t>
-            </a:r>
-            <a:r>
-              <a:rPr lang="en-US" altLang="zh-CN" sz="2000" u="none" strike="noStrike" kern="1200" cap="none" spc="0" baseline="0" dirty="0">
-                <a:solidFill>
-                  <a:srgbClr val="474747"/>
-                </a:solidFill>
-                <a:latin typeface="微软雅黑" panose="020B0503020204020204" charset="-122"/>
-                <a:ea typeface="微软雅黑" panose="020B0503020204020204" charset="-122"/>
-                <a:cs typeface="微软雅黑" panose="020B0503020204020204" charset="-122"/>
-              </a:rPr>
-              <a:t>: var a, b *int</a:t>
-            </a:r>
-            <a:endParaRPr lang="en-US" altLang="zh-CN" sz="2000" u="none" strike="noStrike" kern="1200" cap="none" spc="0" baseline="0" dirty="0">
+              <a:t>回顾</a:t>
+            </a:r>
+            <a:endParaRPr lang="zh-CN" sz="2000" u="none" strike="noStrike" kern="1200" cap="none" spc="0" baseline="0" dirty="0">
               <a:solidFill>
                 <a:srgbClr val="474747"/>
               </a:solidFill>
@@ -13064,16 +13133,16 @@
               <a:buChar char="u"/>
             </a:pPr>
             <a:r>
-              <a:rPr lang="zh-CN" altLang="en-US" sz="2000" u="none" strike="noStrike" kern="1200" cap="none" spc="0" baseline="0" dirty="0">
+              <a:rPr sz="2000" dirty="0">
                 <a:solidFill>
                   <a:srgbClr val="474747"/>
                 </a:solidFill>
                 <a:latin typeface="微软雅黑" panose="020B0503020204020204" charset="-122"/>
                 <a:ea typeface="微软雅黑" panose="020B0503020204020204" charset="-122"/>
                 <a:cs typeface="微软雅黑" panose="020B0503020204020204" charset="-122"/>
-                <a:sym typeface="Calibri" panose="020F0502020204030204" pitchFamily="34" charset="0"/>
+                <a:sym typeface="+mn-ea"/>
               </a:rPr>
-              <a:t>优点</a:t>
+              <a:t>从历史看未来</a:t>
             </a:r>
             <a:endParaRPr lang="zh-CN" altLang="en-US" sz="2000" u="none" strike="noStrike" kern="1200" cap="none" spc="0" baseline="0" dirty="0">
               <a:solidFill>
@@ -13464,7 +13533,7 @@
 </p:sld>
 </file>
 
-<file path=ppt/slides/slide6.xml><?xml version="1.0" encoding="utf-8"?>
+<file path=ppt/slides/slide5.xml><?xml version="1.0" encoding="utf-8"?>
 <p:sld xmlns:a="http://schemas.openxmlformats.org/drawingml/2006/main" xmlns:r="http://schemas.openxmlformats.org/officeDocument/2006/relationships" xmlns:p="http://schemas.openxmlformats.org/presentationml/2006/main">
   <p:cSld>
     <p:bg>
@@ -13550,20 +13619,9 @@
                 <a:ea typeface="微软雅黑" panose="020B0503020204020204" charset="-122"/>
                 <a:cs typeface="Times New Roman" panose="02020603050405020304" charset="0"/>
               </a:rPr>
-              <a:t>特色语法-特色格式</a:t>
-            </a:r>
-            <a:r>
-              <a:rPr lang="en-US" altLang="zh-CN" sz="2200" u="none" strike="noStrike" kern="0" cap="none" spc="0" baseline="0" dirty="0">
-                <a:solidFill>
-                  <a:srgbClr val="212121"/>
-                </a:solidFill>
-                <a:latin typeface="微软雅黑" panose="020B0503020204020204" charset="-122"/>
-                <a:ea typeface="微软雅黑" panose="020B0503020204020204" charset="-122"/>
-                <a:cs typeface="Times New Roman" panose="02020603050405020304" charset="0"/>
-              </a:rPr>
-              <a:t>	</a:t>
-            </a:r>
-            <a:endParaRPr lang="zh-CN" altLang="en-US" sz="2200" u="none" strike="noStrike" kern="0" cap="none" spc="0" baseline="0" dirty="0">
+              <a:t>特色语法-类型声明</a:t>
+            </a:r>
+            <a:endParaRPr sz="2200" u="none" strike="noStrike" kern="0" cap="none" spc="0" baseline="0" dirty="0">
               <a:solidFill>
                 <a:srgbClr val="212121"/>
               </a:solidFill>
@@ -13582,8 +13640,8 @@
         </p:nvSpPr>
         <p:spPr>
           <a:xfrm>
-            <a:off x="539551" y="2212375"/>
-            <a:ext cx="8565279" cy="398780"/>
+            <a:off x="539551" y="2058387"/>
+            <a:ext cx="8565279" cy="706755"/>
           </a:xfrm>
           <a:prstGeom prst="rect">
             <a:avLst/>
@@ -13614,7 +13672,7 @@
                 <a:ea typeface="微软雅黑" panose="020B0503020204020204" charset="-122"/>
                 <a:cs typeface="微软雅黑" panose="020B0503020204020204" charset="-122"/>
               </a:rPr>
-              <a:t>{ } 放置位置</a:t>
+              <a:t>类型声明放在后面</a:t>
             </a:r>
             <a:endParaRPr lang="zh-CN" sz="2000" u="none" strike="noStrike" kern="1200" cap="none" spc="0" baseline="0" dirty="0">
               <a:solidFill>
@@ -13625,6 +13683,52 @@
               <a:cs typeface="微软雅黑" panose="020B0503020204020204" charset="-122"/>
             </a:endParaRPr>
           </a:p>
+          <a:p>
+            <a:pPr lvl="1">
+              <a:buFont typeface="Wingdings" panose="05000000000000000000" pitchFamily="2" charset="2"/>
+            </a:pPr>
+            <a:r>
+              <a:rPr lang="en-US" altLang="zh-CN" sz="2000" u="none" strike="noStrike" kern="1200" cap="none" spc="0" baseline="0" dirty="0">
+                <a:solidFill>
+                  <a:srgbClr val="474747"/>
+                </a:solidFill>
+                <a:latin typeface="微软雅黑" panose="020B0503020204020204" charset="-122"/>
+                <a:ea typeface="微软雅黑" panose="020B0503020204020204" charset="-122"/>
+                <a:cs typeface="微软雅黑" panose="020B0503020204020204" charset="-122"/>
+              </a:rPr>
+              <a:t>	</a:t>
+            </a:r>
+            <a:r>
+              <a:rPr lang="zh-CN" altLang="en-US" sz="2000" u="none" strike="noStrike" kern="1200" cap="none" spc="0" baseline="0" dirty="0">
+                <a:solidFill>
+                  <a:srgbClr val="474747"/>
+                </a:solidFill>
+                <a:latin typeface="微软雅黑" panose="020B0503020204020204" charset="-122"/>
+                <a:ea typeface="微软雅黑" panose="020B0503020204020204" charset="-122"/>
+                <a:cs typeface="微软雅黑" panose="020B0503020204020204" charset="-122"/>
+              </a:rPr>
+              <a:t>例</a:t>
+            </a:r>
+            <a:r>
+              <a:rPr lang="en-US" altLang="zh-CN" sz="2000" u="none" strike="noStrike" kern="1200" cap="none" spc="0" baseline="0" dirty="0">
+                <a:solidFill>
+                  <a:srgbClr val="474747"/>
+                </a:solidFill>
+                <a:latin typeface="微软雅黑" panose="020B0503020204020204" charset="-122"/>
+                <a:ea typeface="微软雅黑" panose="020B0503020204020204" charset="-122"/>
+                <a:cs typeface="微软雅黑" panose="020B0503020204020204" charset="-122"/>
+              </a:rPr>
+              <a:t>: var a, b *int</a:t>
+            </a:r>
+            <a:endParaRPr lang="en-US" altLang="zh-CN" sz="2000" u="none" strike="noStrike" kern="1200" cap="none" spc="0" baseline="0" dirty="0">
+              <a:solidFill>
+                <a:srgbClr val="474747"/>
+              </a:solidFill>
+              <a:latin typeface="微软雅黑" panose="020B0503020204020204" charset="-122"/>
+              <a:ea typeface="微软雅黑" panose="020B0503020204020204" charset="-122"/>
+              <a:cs typeface="微软雅黑" panose="020B0503020204020204" charset="-122"/>
+            </a:endParaRPr>
+          </a:p>
         </p:txBody>
       </p:sp>
       <p:sp>
@@ -13635,7 +13739,7 @@
         </p:nvSpPr>
         <p:spPr>
           <a:xfrm>
-            <a:off x="539284" y="3723561"/>
+            <a:off x="560239" y="2928541"/>
             <a:ext cx="8565279" cy="398780"/>
           </a:xfrm>
           <a:prstGeom prst="rect">
@@ -13677,7 +13781,7 @@
                 <a:cs typeface="微软雅黑" panose="020B0503020204020204" charset="-122"/>
                 <a:sym typeface="Calibri" panose="020F0502020204030204" pitchFamily="34" charset="0"/>
               </a:rPr>
-              <a:t>:=</a:t>
+              <a:t>优点</a:t>
             </a:r>
             <a:endParaRPr lang="zh-CN" altLang="en-US" sz="2000" u="none" strike="noStrike" kern="1200" cap="none" spc="0" baseline="0" dirty="0">
               <a:solidFill>
@@ -13737,69 +13841,6 @@
               <a:latin typeface="微软雅黑" panose="020B0503020204020204" charset="-122"/>
               <a:ea typeface="微软雅黑" panose="020B0503020204020204" charset="-122"/>
               <a:cs typeface="微软雅黑" panose="020B0503020204020204" charset="-122"/>
-            </a:endParaRPr>
-          </a:p>
-        </p:txBody>
-      </p:sp>
-      <p:sp>
-        <p:nvSpPr>
-          <p:cNvPr id="2" name="矩形"/>
-          <p:cNvSpPr/>
-          <p:nvPr/>
-        </p:nvSpPr>
-        <p:spPr>
-          <a:xfrm>
-            <a:off x="539284" y="2966006"/>
-            <a:ext cx="8565279" cy="398780"/>
-          </a:xfrm>
-          <a:prstGeom prst="rect">
-            <a:avLst/>
-          </a:prstGeom>
-          <a:noFill/>
-          <a:ln w="9525" cap="flat" cmpd="sng">
-            <a:noFill/>
-            <a:prstDash val="solid"/>
-            <a:miter/>
-          </a:ln>
-        </p:spPr>
-        <p:txBody>
-          <a:bodyPr vert="horz" wrap="square" lIns="91440" tIns="45720" rIns="91440" bIns="45720" anchor="ctr" anchorCtr="0">
-            <a:spAutoFit/>
-          </a:bodyPr>
-          <a:p>
-            <a:pPr marL="800100" lvl="1" indent="-342900" algn="l">
-              <a:lnSpc>
-                <a:spcPct val="100000"/>
-              </a:lnSpc>
-              <a:spcBef>
-                <a:spcPts val="0"/>
-              </a:spcBef>
-              <a:spcAft>
-                <a:spcPts val="0"/>
-              </a:spcAft>
-              <a:buFont typeface="Wingdings" panose="05000000000000000000" pitchFamily="2" charset="2"/>
-              <a:buChar char="u"/>
-            </a:pPr>
-            <a:r>
-              <a:rPr sz="2000" dirty="0">
-                <a:solidFill>
-                  <a:srgbClr val="474747"/>
-                </a:solidFill>
-                <a:latin typeface="微软雅黑" panose="020B0503020204020204" charset="-122"/>
-                <a:ea typeface="微软雅黑" panose="020B0503020204020204" charset="-122"/>
-                <a:cs typeface="微软雅黑" panose="020B0503020204020204" charset="-122"/>
-                <a:sym typeface="+mn-ea"/>
-              </a:rPr>
-              <a:t>大小写字母区分对外开放权限</a:t>
-            </a:r>
-            <a:endParaRPr sz="2000" dirty="0">
-              <a:solidFill>
-                <a:srgbClr val="474747"/>
-              </a:solidFill>
-              <a:latin typeface="微软雅黑" panose="020B0503020204020204" charset="-122"/>
-              <a:ea typeface="微软雅黑" panose="020B0503020204020204" charset="-122"/>
-              <a:cs typeface="微软雅黑" panose="020B0503020204020204" charset="-122"/>
-              <a:sym typeface="+mn-ea"/>
             </a:endParaRPr>
           </a:p>
         </p:txBody>
@@ -14102,6 +14143,673 @@
                       </p:childTnLst>
                     </p:cTn>
                   </p:par>
+                </p:childTnLst>
+              </p:cTn>
+              <p:prevCondLst>
+                <p:cond evt="onPrev" delay="0">
+                  <p:tgtEl>
+                    <p:sldTgt/>
+                  </p:tgtEl>
+                </p:cond>
+              </p:prevCondLst>
+              <p:nextCondLst>
+                <p:cond evt="onNext" delay="0">
+                  <p:tgtEl>
+                    <p:sldTgt/>
+                  </p:tgtEl>
+                </p:cond>
+              </p:nextCondLst>
+            </p:seq>
+          </p:childTnLst>
+        </p:cTn>
+      </p:par>
+    </p:tnLst>
+    <p:bldLst>
+      <p:bldP spid="15" grpId="0"/>
+      <p:bldP spid="16" grpId="0"/>
+    </p:bldLst>
+  </p:timing>
+</p:sld>
+</file>
+
+<file path=ppt/slides/slide6.xml><?xml version="1.0" encoding="utf-8"?>
+<p:sld xmlns:a="http://schemas.openxmlformats.org/drawingml/2006/main" xmlns:r="http://schemas.openxmlformats.org/officeDocument/2006/relationships" xmlns:p="http://schemas.openxmlformats.org/presentationml/2006/main">
+  <p:cSld>
+    <p:bg>
+      <p:bgPr>
+        <a:solidFill>
+          <a:schemeClr val="bg1"/>
+        </a:solidFill>
+        <a:effectLst/>
+      </p:bgPr>
+    </p:bg>
+    <p:spTree>
+      <p:nvGrpSpPr>
+        <p:cNvPr id="1" name=""/>
+        <p:cNvGrpSpPr/>
+        <p:nvPr/>
+      </p:nvGrpSpPr>
+      <p:grpSpPr>
+        <a:xfrm>
+          <a:off x="0" y="0"/>
+          <a:ext cx="0" cy="0"/>
+          <a:chOff x="0" y="0"/>
+          <a:chExt cx="0" cy="0"/>
+        </a:xfrm>
+      </p:grpSpPr>
+      <p:sp>
+        <p:nvSpPr>
+          <p:cNvPr id="13" name="文本框"/>
+          <p:cNvSpPr>
+            <a:spLocks noGrp="1"/>
+          </p:cNvSpPr>
+          <p:nvPr>
+            <p:ph type="body" idx="1"/>
+          </p:nvPr>
+        </p:nvSpPr>
+        <p:spPr>
+          <a:xfrm>
+            <a:off x="467544" y="1275606"/>
+            <a:ext cx="8229600" cy="507999"/>
+          </a:xfrm>
+          <a:prstGeom prst="rect">
+            <a:avLst/>
+          </a:prstGeom>
+          <a:noFill/>
+          <a:ln w="9525" cap="flat" cmpd="sng">
+            <a:noFill/>
+            <a:prstDash val="solid"/>
+            <a:round/>
+          </a:ln>
+        </p:spPr>
+        <p:txBody>
+          <a:bodyPr vert="horz" wrap="square" lIns="91440" tIns="45720" rIns="91440" bIns="45720" anchor="ctr" anchorCtr="0"/>
+          <a:lstStyle/>
+          <a:p>
+            <a:pPr marL="0" indent="0" algn="l">
+              <a:lnSpc>
+                <a:spcPct val="100000"/>
+              </a:lnSpc>
+              <a:spcBef>
+                <a:spcPct val="20000"/>
+              </a:spcBef>
+              <a:spcAft>
+                <a:spcPts val="0"/>
+              </a:spcAft>
+              <a:buNone/>
+            </a:pPr>
+            <a:r>
+              <a:rPr lang="en-US" altLang="zh-CN" sz="2200" u="none" strike="noStrike" kern="0" cap="none" spc="0" baseline="0" dirty="0">
+                <a:solidFill>
+                  <a:srgbClr val="212121"/>
+                </a:solidFill>
+                <a:latin typeface="微软雅黑" panose="020B0503020204020204" charset="-122"/>
+                <a:ea typeface="微软雅黑" panose="020B0503020204020204" charset="-122"/>
+                <a:cs typeface="Times New Roman" panose="02020603050405020304" charset="0"/>
+              </a:rPr>
+              <a:t> </a:t>
+            </a:r>
+            <a:r>
+              <a:rPr sz="2200" u="none" strike="noStrike" kern="0" cap="none" spc="0" baseline="0" dirty="0">
+                <a:solidFill>
+                  <a:srgbClr val="212121"/>
+                </a:solidFill>
+                <a:latin typeface="微软雅黑" panose="020B0503020204020204" charset="-122"/>
+                <a:ea typeface="微软雅黑" panose="020B0503020204020204" charset="-122"/>
+                <a:cs typeface="Times New Roman" panose="02020603050405020304" charset="0"/>
+              </a:rPr>
+              <a:t>特色语法-特色格式</a:t>
+            </a:r>
+            <a:r>
+              <a:rPr lang="en-US" altLang="zh-CN" sz="2200" u="none" strike="noStrike" kern="0" cap="none" spc="0" baseline="0" dirty="0">
+                <a:solidFill>
+                  <a:srgbClr val="212121"/>
+                </a:solidFill>
+                <a:latin typeface="微软雅黑" panose="020B0503020204020204" charset="-122"/>
+                <a:ea typeface="微软雅黑" panose="020B0503020204020204" charset="-122"/>
+                <a:cs typeface="Times New Roman" panose="02020603050405020304" charset="0"/>
+              </a:rPr>
+              <a:t>	</a:t>
+            </a:r>
+            <a:endParaRPr lang="zh-CN" altLang="en-US" sz="2200" u="none" strike="noStrike" kern="0" cap="none" spc="0" baseline="0" dirty="0">
+              <a:solidFill>
+                <a:srgbClr val="212121"/>
+              </a:solidFill>
+              <a:latin typeface="微软雅黑" panose="020B0503020204020204" charset="-122"/>
+              <a:ea typeface="微软雅黑" panose="020B0503020204020204" charset="-122"/>
+              <a:cs typeface="Times New Roman" panose="02020603050405020304" charset="0"/>
+            </a:endParaRPr>
+          </a:p>
+        </p:txBody>
+      </p:sp>
+      <p:sp>
+        <p:nvSpPr>
+          <p:cNvPr id="15" name="矩形"/>
+          <p:cNvSpPr/>
+          <p:nvPr/>
+        </p:nvSpPr>
+        <p:spPr>
+          <a:xfrm>
+            <a:off x="539551" y="2212375"/>
+            <a:ext cx="8565279" cy="398780"/>
+          </a:xfrm>
+          <a:prstGeom prst="rect">
+            <a:avLst/>
+          </a:prstGeom>
+          <a:noFill/>
+          <a:ln w="9525" cap="flat" cmpd="sng">
+            <a:noFill/>
+            <a:prstDash val="solid"/>
+            <a:miter/>
+          </a:ln>
+        </p:spPr>
+        <p:txBody>
+          <a:bodyPr vert="horz" wrap="square" lIns="91440" tIns="45720" rIns="91440" bIns="45720" anchor="ctr" anchorCtr="0">
+            <a:spAutoFit/>
+          </a:bodyPr>
+          <a:lstStyle/>
+          <a:p>
+            <a:pPr marL="800100" lvl="1" indent="-342900">
+              <a:buFont typeface="Wingdings" panose="05000000000000000000" pitchFamily="2" charset="2"/>
+              <a:buChar char="u"/>
+            </a:pPr>
+            <a:r>
+              <a:rPr lang="zh-CN" sz="2000" u="none" strike="noStrike" kern="1200" cap="none" spc="0" baseline="0" dirty="0">
+                <a:solidFill>
+                  <a:srgbClr val="474747"/>
+                </a:solidFill>
+                <a:latin typeface="微软雅黑" panose="020B0503020204020204" charset="-122"/>
+                <a:ea typeface="微软雅黑" panose="020B0503020204020204" charset="-122"/>
+                <a:cs typeface="微软雅黑" panose="020B0503020204020204" charset="-122"/>
+              </a:rPr>
+              <a:t>{ } 放置位置</a:t>
+            </a:r>
+            <a:endParaRPr lang="zh-CN" sz="2000" u="none" strike="noStrike" kern="1200" cap="none" spc="0" baseline="0" dirty="0">
+              <a:solidFill>
+                <a:srgbClr val="474747"/>
+              </a:solidFill>
+              <a:latin typeface="微软雅黑" panose="020B0503020204020204" charset="-122"/>
+              <a:ea typeface="微软雅黑" panose="020B0503020204020204" charset="-122"/>
+              <a:cs typeface="微软雅黑" panose="020B0503020204020204" charset="-122"/>
+            </a:endParaRPr>
+          </a:p>
+        </p:txBody>
+      </p:sp>
+      <p:sp>
+        <p:nvSpPr>
+          <p:cNvPr id="16" name="矩形"/>
+          <p:cNvSpPr/>
+          <p:nvPr/>
+        </p:nvSpPr>
+        <p:spPr>
+          <a:xfrm>
+            <a:off x="539284" y="3723561"/>
+            <a:ext cx="8565279" cy="398780"/>
+          </a:xfrm>
+          <a:prstGeom prst="rect">
+            <a:avLst/>
+          </a:prstGeom>
+          <a:noFill/>
+          <a:ln w="9525" cap="flat" cmpd="sng">
+            <a:noFill/>
+            <a:prstDash val="solid"/>
+            <a:miter/>
+          </a:ln>
+        </p:spPr>
+        <p:txBody>
+          <a:bodyPr vert="horz" wrap="square" lIns="91440" tIns="45720" rIns="91440" bIns="45720" anchor="ctr" anchorCtr="0">
+            <a:spAutoFit/>
+          </a:bodyPr>
+          <a:lstStyle/>
+          <a:p>
+            <a:pPr marL="800100" lvl="1" indent="-342900" algn="l">
+              <a:lnSpc>
+                <a:spcPct val="100000"/>
+              </a:lnSpc>
+              <a:spcBef>
+                <a:spcPts val="0"/>
+              </a:spcBef>
+              <a:spcAft>
+                <a:spcPts val="0"/>
+              </a:spcAft>
+              <a:buFont typeface="Wingdings" panose="05000000000000000000" pitchFamily="2" charset="2"/>
+              <a:buChar char="u"/>
+            </a:pPr>
+            <a:r>
+              <a:rPr lang="zh-CN" altLang="en-US" sz="2000" u="none" strike="noStrike" kern="1200" cap="none" spc="0" baseline="0" dirty="0">
+                <a:solidFill>
+                  <a:srgbClr val="474747"/>
+                </a:solidFill>
+                <a:latin typeface="微软雅黑" panose="020B0503020204020204" charset="-122"/>
+                <a:ea typeface="微软雅黑" panose="020B0503020204020204" charset="-122"/>
+                <a:cs typeface="微软雅黑" panose="020B0503020204020204" charset="-122"/>
+                <a:sym typeface="Calibri" panose="020F0502020204030204" pitchFamily="34" charset="0"/>
+              </a:rPr>
+              <a:t>:=</a:t>
+            </a:r>
+            <a:endParaRPr lang="zh-CN" altLang="en-US" sz="2000" u="none" strike="noStrike" kern="1200" cap="none" spc="0" baseline="0" dirty="0">
+              <a:solidFill>
+                <a:srgbClr val="474747"/>
+              </a:solidFill>
+              <a:latin typeface="微软雅黑" panose="020B0503020204020204" charset="-122"/>
+              <a:ea typeface="微软雅黑" panose="020B0503020204020204" charset="-122"/>
+              <a:cs typeface="微软雅黑" panose="020B0503020204020204" charset="-122"/>
+              <a:sym typeface="Calibri" panose="020F0502020204030204" pitchFamily="34" charset="0"/>
+            </a:endParaRPr>
+          </a:p>
+        </p:txBody>
+      </p:sp>
+      <p:sp>
+        <p:nvSpPr>
+          <p:cNvPr id="17" name="矩形"/>
+          <p:cNvSpPr/>
+          <p:nvPr/>
+        </p:nvSpPr>
+        <p:spPr>
+          <a:xfrm>
+            <a:off x="3340151" y="497054"/>
+            <a:ext cx="2210435" cy="553085"/>
+          </a:xfrm>
+          <a:prstGeom prst="rect">
+            <a:avLst/>
+          </a:prstGeom>
+          <a:noFill/>
+          <a:ln w="9525" cap="flat" cmpd="sng">
+            <a:noFill/>
+            <a:prstDash val="solid"/>
+            <a:miter/>
+          </a:ln>
+        </p:spPr>
+        <p:txBody>
+          <a:bodyPr vert="horz" wrap="none" lIns="91440" tIns="45720" rIns="91440" bIns="45720" anchor="t" anchorCtr="0">
+            <a:spAutoFit/>
+          </a:bodyPr>
+          <a:lstStyle/>
+          <a:p>
+            <a:pPr algn="l"/>
+            <a:r>
+              <a:rPr lang="zh-CN" altLang="en-US" sz="3000" b="1" u="none" strike="noStrike" kern="0" cap="none" spc="0" baseline="0" dirty="0" err="1">
+                <a:solidFill>
+                  <a:srgbClr val="C9394A"/>
+                </a:solidFill>
+                <a:latin typeface="微软雅黑" panose="020B0503020204020204" charset="-122"/>
+                <a:ea typeface="微软雅黑" panose="020B0503020204020204" charset="-122"/>
+                <a:cs typeface="微软雅黑" panose="020B0503020204020204" charset="-122"/>
+              </a:rPr>
+              <a:t>go语言补充</a:t>
+            </a:r>
+            <a:endParaRPr lang="zh-CN" altLang="en-US" sz="3000" b="1" u="none" strike="noStrike" kern="0" cap="none" spc="0" baseline="0" dirty="0" err="1">
+              <a:solidFill>
+                <a:srgbClr val="C9394A"/>
+              </a:solidFill>
+              <a:latin typeface="微软雅黑" panose="020B0503020204020204" charset="-122"/>
+              <a:ea typeface="微软雅黑" panose="020B0503020204020204" charset="-122"/>
+              <a:cs typeface="微软雅黑" panose="020B0503020204020204" charset="-122"/>
+            </a:endParaRPr>
+          </a:p>
+        </p:txBody>
+      </p:sp>
+      <p:sp>
+        <p:nvSpPr>
+          <p:cNvPr id="2" name="矩形"/>
+          <p:cNvSpPr/>
+          <p:nvPr/>
+        </p:nvSpPr>
+        <p:spPr>
+          <a:xfrm>
+            <a:off x="539284" y="2966006"/>
+            <a:ext cx="8565279" cy="398780"/>
+          </a:xfrm>
+          <a:prstGeom prst="rect">
+            <a:avLst/>
+          </a:prstGeom>
+          <a:noFill/>
+          <a:ln w="9525" cap="flat" cmpd="sng">
+            <a:noFill/>
+            <a:prstDash val="solid"/>
+            <a:miter/>
+          </a:ln>
+        </p:spPr>
+        <p:txBody>
+          <a:bodyPr vert="horz" wrap="square" lIns="91440" tIns="45720" rIns="91440" bIns="45720" anchor="ctr" anchorCtr="0">
+            <a:spAutoFit/>
+          </a:bodyPr>
+          <a:p>
+            <a:pPr marL="800100" lvl="1" indent="-342900" algn="l">
+              <a:lnSpc>
+                <a:spcPct val="100000"/>
+              </a:lnSpc>
+              <a:spcBef>
+                <a:spcPts val="0"/>
+              </a:spcBef>
+              <a:spcAft>
+                <a:spcPts val="0"/>
+              </a:spcAft>
+              <a:buFont typeface="Wingdings" panose="05000000000000000000" pitchFamily="2" charset="2"/>
+              <a:buChar char="u"/>
+            </a:pPr>
+            <a:r>
+              <a:rPr sz="2000" dirty="0">
+                <a:solidFill>
+                  <a:srgbClr val="474747"/>
+                </a:solidFill>
+                <a:latin typeface="微软雅黑" panose="020B0503020204020204" charset="-122"/>
+                <a:ea typeface="微软雅黑" panose="020B0503020204020204" charset="-122"/>
+                <a:cs typeface="微软雅黑" panose="020B0503020204020204" charset="-122"/>
+                <a:sym typeface="+mn-ea"/>
+              </a:rPr>
+              <a:t>大小写字母区分对外开放权限</a:t>
+            </a:r>
+            <a:endParaRPr sz="2000" dirty="0">
+              <a:solidFill>
+                <a:srgbClr val="474747"/>
+              </a:solidFill>
+              <a:latin typeface="微软雅黑" panose="020B0503020204020204" charset="-122"/>
+              <a:ea typeface="微软雅黑" panose="020B0503020204020204" charset="-122"/>
+              <a:cs typeface="微软雅黑" panose="020B0503020204020204" charset="-122"/>
+              <a:sym typeface="+mn-ea"/>
+            </a:endParaRPr>
+          </a:p>
+        </p:txBody>
+      </p:sp>
+    </p:spTree>
+  </p:cSld>
+  <p:clrMapOvr>
+    <a:masterClrMapping/>
+  </p:clrMapOvr>
+  <p:timing>
+    <p:tnLst>
+      <p:par>
+        <p:cTn id="1" dur="indefinite" restart="never" nodeType="tmRoot">
+          <p:childTnLst>
+            <p:seq concurrent="1" nextAc="seek">
+              <p:cTn id="2" dur="indefinite" nodeType="mainSeq">
+                <p:childTnLst>
+                  <p:par>
+                    <p:cTn id="3" fill="hold">
+                      <p:stCondLst>
+                        <p:cond delay="indefinite"/>
+                      </p:stCondLst>
+                      <p:childTnLst>
+                        <p:par>
+                          <p:cTn id="4" fill="hold">
+                            <p:stCondLst>
+                              <p:cond delay="0"/>
+                            </p:stCondLst>
+                            <p:childTnLst>
+                              <p:par>
+                                <p:cTn id="5" presetID="2" presetClass="entr" presetSubtype="4" fill="hold" nodeType="clickEffect">
+                                  <p:stCondLst>
+                                    <p:cond delay="0"/>
+                                  </p:stCondLst>
+                                  <p:childTnLst>
+                                    <p:set>
+                                      <p:cBhvr>
+                                        <p:cTn id="6" dur="1" fill="hold">
+                                          <p:stCondLst>
+                                            <p:cond delay="0"/>
+                                          </p:stCondLst>
+                                        </p:cTn>
+                                        <p:tgtEl>
+                                          <p:spTgt spid="13">
+                                            <p:txEl>
+                                              <p:pRg st="0" end="0"/>
+                                            </p:txEl>
+                                          </p:spTgt>
+                                        </p:tgtEl>
+                                        <p:attrNameLst>
+                                          <p:attrName>style.visibility</p:attrName>
+                                        </p:attrNameLst>
+                                      </p:cBhvr>
+                                      <p:to>
+                                        <p:strVal val="visible"/>
+                                      </p:to>
+                                    </p:set>
+                                    <p:anim calcmode="lin" valueType="num">
+                                      <p:cBhvr additive="base">
+                                        <p:cTn id="7" dur="500" fill="hold"/>
+                                        <p:tgtEl>
+                                          <p:spTgt spid="13">
+                                            <p:txEl>
+                                              <p:pRg st="0" end="0"/>
+                                            </p:txEl>
+                                          </p:spTgt>
+                                        </p:tgtEl>
+                                        <p:attrNameLst>
+                                          <p:attrName>ppt_x</p:attrName>
+                                        </p:attrNameLst>
+                                      </p:cBhvr>
+                                      <p:tavLst>
+                                        <p:tav tm="0">
+                                          <p:val>
+                                            <p:strVal val="#ppt_x"/>
+                                          </p:val>
+                                        </p:tav>
+                                        <p:tav tm="100000">
+                                          <p:val>
+                                            <p:strVal val="#ppt_x"/>
+                                          </p:val>
+                                        </p:tav>
+                                      </p:tavLst>
+                                    </p:anim>
+                                    <p:anim calcmode="lin" valueType="num">
+                                      <p:cBhvr additive="base">
+                                        <p:cTn id="8" dur="500" fill="hold"/>
+                                        <p:tgtEl>
+                                          <p:spTgt spid="13">
+                                            <p:txEl>
+                                              <p:pRg st="0" end="0"/>
+                                            </p:txEl>
+                                          </p:spTgt>
+                                        </p:tgtEl>
+                                        <p:attrNameLst>
+                                          <p:attrName>ppt_y</p:attrName>
+                                        </p:attrNameLst>
+                                      </p:cBhvr>
+                                      <p:tavLst>
+                                        <p:tav tm="0">
+                                          <p:val>
+                                            <p:strVal val="1+#ppt_h/2"/>
+                                          </p:val>
+                                        </p:tav>
+                                        <p:tav tm="100000">
+                                          <p:val>
+                                            <p:strVal val="#ppt_y"/>
+                                          </p:val>
+                                        </p:tav>
+                                      </p:tavLst>
+                                    </p:anim>
+                                  </p:childTnLst>
+                                </p:cTn>
+                              </p:par>
+                            </p:childTnLst>
+                          </p:cTn>
+                        </p:par>
+                      </p:childTnLst>
+                    </p:cTn>
+                  </p:par>
+                  <p:par>
+                    <p:cTn id="9" fill="hold">
+                      <p:stCondLst>
+                        <p:cond delay="indefinite"/>
+                      </p:stCondLst>
+                      <p:childTnLst>
+                        <p:par>
+                          <p:cTn id="10" fill="hold">
+                            <p:stCondLst>
+                              <p:cond delay="0"/>
+                            </p:stCondLst>
+                            <p:childTnLst>
+                              <p:par>
+                                <p:cTn id="11" presetID="2" presetClass="entr" presetSubtype="4" fill="hold" grpId="0" nodeType="clickEffect">
+                                  <p:stCondLst>
+                                    <p:cond delay="0"/>
+                                  </p:stCondLst>
+                                  <p:childTnLst>
+                                    <p:set>
+                                      <p:cBhvr>
+                                        <p:cTn id="12" dur="1" fill="hold">
+                                          <p:stCondLst>
+                                            <p:cond delay="0"/>
+                                          </p:stCondLst>
+                                        </p:cTn>
+                                        <p:tgtEl>
+                                          <p:spTgt spid="15"/>
+                                        </p:tgtEl>
+                                        <p:attrNameLst>
+                                          <p:attrName>style.visibility</p:attrName>
+                                        </p:attrNameLst>
+                                      </p:cBhvr>
+                                      <p:to>
+                                        <p:strVal val="visible"/>
+                                      </p:to>
+                                    </p:set>
+                                    <p:anim calcmode="lin" valueType="num">
+                                      <p:cBhvr additive="base">
+                                        <p:cTn id="13" dur="500" fill="hold"/>
+                                        <p:tgtEl>
+                                          <p:spTgt spid="15"/>
+                                        </p:tgtEl>
+                                        <p:attrNameLst>
+                                          <p:attrName>ppt_x</p:attrName>
+                                        </p:attrNameLst>
+                                      </p:cBhvr>
+                                      <p:tavLst>
+                                        <p:tav tm="0">
+                                          <p:val>
+                                            <p:strVal val="#ppt_x"/>
+                                          </p:val>
+                                        </p:tav>
+                                        <p:tav tm="100000">
+                                          <p:val>
+                                            <p:strVal val="#ppt_x"/>
+                                          </p:val>
+                                        </p:tav>
+                                      </p:tavLst>
+                                    </p:anim>
+                                    <p:anim calcmode="lin" valueType="num">
+                                      <p:cBhvr additive="base">
+                                        <p:cTn id="14" dur="500" fill="hold"/>
+                                        <p:tgtEl>
+                                          <p:spTgt spid="15"/>
+                                        </p:tgtEl>
+                                        <p:attrNameLst>
+                                          <p:attrName>ppt_y</p:attrName>
+                                        </p:attrNameLst>
+                                      </p:cBhvr>
+                                      <p:tavLst>
+                                        <p:tav tm="0">
+                                          <p:val>
+                                            <p:strVal val="1+#ppt_h/2"/>
+                                          </p:val>
+                                        </p:tav>
+                                        <p:tav tm="100000">
+                                          <p:val>
+                                            <p:strVal val="#ppt_y"/>
+                                          </p:val>
+                                        </p:tav>
+                                      </p:tavLst>
+                                    </p:anim>
+                                  </p:childTnLst>
+                                </p:cTn>
+                              </p:par>
+                            </p:childTnLst>
+                          </p:cTn>
+                        </p:par>
+                      </p:childTnLst>
+                    </p:cTn>
+                  </p:par>
+                  <p:par>
+                    <p:cTn id="15" fill="hold">
+                      <p:stCondLst>
+                        <p:cond delay="indefinite"/>
+                      </p:stCondLst>
+                      <p:childTnLst>
+                        <p:par>
+                          <p:cTn id="16" fill="hold">
+                            <p:stCondLst>
+                              <p:cond delay="0"/>
+                            </p:stCondLst>
+                            <p:childTnLst>
+                              <p:par>
+                                <p:cTn id="17" presetID="2" presetClass="entr" presetSubtype="4" fill="hold" grpId="0" nodeType="clickEffect">
+                                  <p:stCondLst>
+                                    <p:cond delay="0"/>
+                                  </p:stCondLst>
+                                  <p:childTnLst>
+                                    <p:set>
+                                      <p:cBhvr>
+                                        <p:cTn id="18" dur="1" fill="hold">
+                                          <p:stCondLst>
+                                            <p:cond delay="0"/>
+                                          </p:stCondLst>
+                                        </p:cTn>
+                                        <p:tgtEl>
+                                          <p:spTgt spid="16"/>
+                                        </p:tgtEl>
+                                        <p:attrNameLst>
+                                          <p:attrName>style.visibility</p:attrName>
+                                        </p:attrNameLst>
+                                      </p:cBhvr>
+                                      <p:to>
+                                        <p:strVal val="visible"/>
+                                      </p:to>
+                                    </p:set>
+                                    <p:anim calcmode="lin" valueType="num">
+                                      <p:cBhvr additive="base">
+                                        <p:cTn id="19" dur="500" fill="hold"/>
+                                        <p:tgtEl>
+                                          <p:spTgt spid="16"/>
+                                        </p:tgtEl>
+                                        <p:attrNameLst>
+                                          <p:attrName>ppt_x</p:attrName>
+                                        </p:attrNameLst>
+                                      </p:cBhvr>
+                                      <p:tavLst>
+                                        <p:tav tm="0">
+                                          <p:val>
+                                            <p:strVal val="#ppt_x"/>
+                                          </p:val>
+                                        </p:tav>
+                                        <p:tav tm="100000">
+                                          <p:val>
+                                            <p:strVal val="#ppt_x"/>
+                                          </p:val>
+                                        </p:tav>
+                                      </p:tavLst>
+                                    </p:anim>
+                                    <p:anim calcmode="lin" valueType="num">
+                                      <p:cBhvr additive="base">
+                                        <p:cTn id="20" dur="500" fill="hold"/>
+                                        <p:tgtEl>
+                                          <p:spTgt spid="16"/>
+                                        </p:tgtEl>
+                                        <p:attrNameLst>
+                                          <p:attrName>ppt_y</p:attrName>
+                                        </p:attrNameLst>
+                                      </p:cBhvr>
+                                      <p:tavLst>
+                                        <p:tav tm="0">
+                                          <p:val>
+                                            <p:strVal val="1+#ppt_h/2"/>
+                                          </p:val>
+                                        </p:tav>
+                                        <p:tav tm="100000">
+                                          <p:val>
+                                            <p:strVal val="#ppt_y"/>
+                                          </p:val>
+                                        </p:tav>
+                                      </p:tavLst>
+                                    </p:anim>
+                                  </p:childTnLst>
+                                </p:cTn>
+                              </p:par>
+                            </p:childTnLst>
+                          </p:cTn>
+                        </p:par>
+                      </p:childTnLst>
+                    </p:cTn>
+                  </p:par>
                   <p:par>
                     <p:cTn id="21" fill="hold">
                       <p:stCondLst>
@@ -14384,18 +15092,7 @@
                 <a:ea typeface="微软雅黑" panose="020B0503020204020204" charset="-122"/>
                 <a:cs typeface="微软雅黑" panose="020B0503020204020204" charset="-122"/>
               </a:rPr>
-              <a:t>无</a:t>
-            </a:r>
-            <a:r>
-              <a:rPr lang="zh-CN" sz="2000" u="none" strike="noStrike" kern="1200" cap="none" spc="0" baseline="0" dirty="0">
-                <a:solidFill>
-                  <a:srgbClr val="474747"/>
-                </a:solidFill>
-                <a:latin typeface="微软雅黑" panose="020B0503020204020204" charset="-122"/>
-                <a:ea typeface="微软雅黑" panose="020B0503020204020204" charset="-122"/>
-                <a:cs typeface="微软雅黑" panose="020B0503020204020204" charset="-122"/>
-              </a:rPr>
-              <a:t>隐式类型转换</a:t>
+              <a:t>无隐式类型转换</a:t>
             </a:r>
             <a:endParaRPr lang="zh-CN" sz="2000" u="none" strike="noStrike" kern="1200" cap="none" spc="0" baseline="0" dirty="0">
               <a:solidFill>
